--- a/ClassMaterials/UsingObjectsAndAPIs/Slides/Part5-UsingDebugger.pptx
+++ b/ClassMaterials/UsingObjectsAndAPIs/Slides/Part5-UsingDebugger.pptx
@@ -409,7 +409,7 @@
           <a:p>
             <a:fld id="{73386005-8F80-1A49-87D1-22EBFA47E352}" type="datetimeFigureOut">
               <a:rPr lang="en-US" smtClean="0"/>
-              <a:t>12/13/24</a:t>
+              <a:t>3/3/2025</a:t>
             </a:fld>
             <a:endParaRPr lang="en-US"/>
           </a:p>
@@ -2548,7 +2548,7 @@
           <a:p>
             <a:fld id="{5B07E745-2C70-2943-8487-A8F6E88ADF5E}" type="datetimeFigureOut">
               <a:rPr lang="en-US" smtClean="0"/>
-              <a:t>12/13/24</a:t>
+              <a:t>3/3/2025</a:t>
             </a:fld>
             <a:endParaRPr lang="en-US"/>
           </a:p>
@@ -2716,7 +2716,7 @@
           <a:p>
             <a:fld id="{5B07E745-2C70-2943-8487-A8F6E88ADF5E}" type="datetimeFigureOut">
               <a:rPr lang="en-US" smtClean="0"/>
-              <a:t>12/13/24</a:t>
+              <a:t>3/3/2025</a:t>
             </a:fld>
             <a:endParaRPr lang="en-US"/>
           </a:p>
@@ -2894,7 +2894,7 @@
           <a:p>
             <a:fld id="{5B07E745-2C70-2943-8487-A8F6E88ADF5E}" type="datetimeFigureOut">
               <a:rPr lang="en-US" smtClean="0"/>
-              <a:t>12/13/24</a:t>
+              <a:t>3/3/2025</a:t>
             </a:fld>
             <a:endParaRPr lang="en-US"/>
           </a:p>
@@ -3439,7 +3439,7 @@
           <a:p>
             <a:fld id="{5B07E745-2C70-2943-8487-A8F6E88ADF5E}" type="datetimeFigureOut">
               <a:rPr lang="en-US" smtClean="0"/>
-              <a:t>12/13/24</a:t>
+              <a:t>3/3/2025</a:t>
             </a:fld>
             <a:endParaRPr lang="en-US"/>
           </a:p>
@@ -3684,7 +3684,7 @@
           <a:p>
             <a:fld id="{5B07E745-2C70-2943-8487-A8F6E88ADF5E}" type="datetimeFigureOut">
               <a:rPr lang="en-US" smtClean="0"/>
-              <a:t>12/13/24</a:t>
+              <a:t>3/3/2025</a:t>
             </a:fld>
             <a:endParaRPr lang="en-US"/>
           </a:p>
@@ -3969,7 +3969,7 @@
           <a:p>
             <a:fld id="{5B07E745-2C70-2943-8487-A8F6E88ADF5E}" type="datetimeFigureOut">
               <a:rPr lang="en-US" smtClean="0"/>
-              <a:t>12/13/24</a:t>
+              <a:t>3/3/2025</a:t>
             </a:fld>
             <a:endParaRPr lang="en-US"/>
           </a:p>
@@ -4388,7 +4388,7 @@
           <a:p>
             <a:fld id="{5B07E745-2C70-2943-8487-A8F6E88ADF5E}" type="datetimeFigureOut">
               <a:rPr lang="en-US" smtClean="0"/>
-              <a:t>12/13/24</a:t>
+              <a:t>3/3/2025</a:t>
             </a:fld>
             <a:endParaRPr lang="en-US"/>
           </a:p>
@@ -4505,7 +4505,7 @@
           <a:p>
             <a:fld id="{5B07E745-2C70-2943-8487-A8F6E88ADF5E}" type="datetimeFigureOut">
               <a:rPr lang="en-US" smtClean="0"/>
-              <a:t>12/13/24</a:t>
+              <a:t>3/3/2025</a:t>
             </a:fld>
             <a:endParaRPr lang="en-US"/>
           </a:p>
@@ -4600,7 +4600,7 @@
           <a:p>
             <a:fld id="{5B07E745-2C70-2943-8487-A8F6E88ADF5E}" type="datetimeFigureOut">
               <a:rPr lang="en-US" smtClean="0"/>
-              <a:t>12/13/24</a:t>
+              <a:t>3/3/2025</a:t>
             </a:fld>
             <a:endParaRPr lang="en-US"/>
           </a:p>
@@ -4875,7 +4875,7 @@
           <a:p>
             <a:fld id="{5B07E745-2C70-2943-8487-A8F6E88ADF5E}" type="datetimeFigureOut">
               <a:rPr lang="en-US" smtClean="0"/>
-              <a:t>12/13/24</a:t>
+              <a:t>3/3/2025</a:t>
             </a:fld>
             <a:endParaRPr lang="en-US"/>
           </a:p>
@@ -5127,7 +5127,7 @@
           <a:p>
             <a:fld id="{5B07E745-2C70-2943-8487-A8F6E88ADF5E}" type="datetimeFigureOut">
               <a:rPr lang="en-US" smtClean="0"/>
-              <a:t>12/13/24</a:t>
+              <a:t>3/3/2025</a:t>
             </a:fld>
             <a:endParaRPr lang="en-US"/>
           </a:p>
@@ -5338,7 +5338,7 @@
           <a:p>
             <a:fld id="{5B07E745-2C70-2943-8487-A8F6E88ADF5E}" type="datetimeFigureOut">
               <a:rPr lang="en-US" smtClean="0"/>
-              <a:t>12/13/24</a:t>
+              <a:t>3/3/2025</a:t>
             </a:fld>
             <a:endParaRPr lang="en-US"/>
           </a:p>
@@ -10943,9 +10943,12 @@
 </file>
 
 <file path=customXml/item1.xml><?xml version="1.0" encoding="utf-8"?>
-<p:properties xmlns:p="http://schemas.microsoft.com/office/2006/metadata/properties" xmlns:xsi="http://www.w3.org/2001/XMLSchema-instance" xmlns:pc="http://schemas.microsoft.com/office/infopath/2007/PartnerControls">
-  <documentManagement/>
-</p:properties>
+<?mso-contentType ?>
+<FormTemplates xmlns="http://schemas.microsoft.com/sharepoint/v3/contenttype/forms">
+  <Display>DocumentLibraryForm</Display>
+  <Edit>DocumentLibraryForm</Edit>
+  <New>DocumentLibraryForm</New>
+</FormTemplates>
 </file>
 
 <file path=customXml/item2.xml><?xml version="1.0" encoding="utf-8"?>
@@ -11081,26 +11084,15 @@
 </file>
 
 <file path=customXml/item3.xml><?xml version="1.0" encoding="utf-8"?>
-<?mso-contentType ?>
-<FormTemplates xmlns="http://schemas.microsoft.com/sharepoint/v3/contenttype/forms">
-  <Display>DocumentLibraryForm</Display>
-  <Edit>DocumentLibraryForm</Edit>
-  <New>DocumentLibraryForm</New>
-</FormTemplates>
+<p:properties xmlns:p="http://schemas.microsoft.com/office/2006/metadata/properties" xmlns:xsi="http://www.w3.org/2001/XMLSchema-instance" xmlns:pc="http://schemas.microsoft.com/office/infopath/2007/PartnerControls">
+  <documentManagement/>
+</p:properties>
 </file>
 
 <file path=customXml/itemProps1.xml><?xml version="1.0" encoding="utf-8"?>
-<ds:datastoreItem xmlns:ds="http://schemas.openxmlformats.org/officeDocument/2006/customXml" ds:itemID="{60EBDBBA-925D-4342-9C69-C51A740C4A59}">
+<ds:datastoreItem xmlns:ds="http://schemas.openxmlformats.org/officeDocument/2006/customXml" ds:itemID="{47B07C09-FF92-4115-A3C4-DCD45D83FCB5}">
   <ds:schemaRefs>
-    <ds:schemaRef ds:uri="http://www.w3.org/XML/1998/namespace"/>
-    <ds:schemaRef ds:uri="http://schemas.microsoft.com/office/2006/documentManagement/types"/>
-    <ds:schemaRef ds:uri="http://purl.org/dc/elements/1.1/"/>
-    <ds:schemaRef ds:uri="http://purl.org/dc/terms/"/>
-    <ds:schemaRef ds:uri="http://schemas.microsoft.com/office/2006/metadata/properties"/>
-    <ds:schemaRef ds:uri="http://purl.org/dc/dcmitype/"/>
-    <ds:schemaRef ds:uri="http://schemas.microsoft.com/office/infopath/2007/PartnerControls"/>
-    <ds:schemaRef ds:uri="http://schemas.openxmlformats.org/package/2006/metadata/core-properties"/>
-    <ds:schemaRef ds:uri="79ddb764-415a-4c38-83b7-908be6382bea"/>
+    <ds:schemaRef ds:uri="http://schemas.microsoft.com/sharepoint/v3/contenttype/forms"/>
   </ds:schemaRefs>
 </ds:datastoreItem>
 </file>
@@ -11124,9 +11116,17 @@
 </file>
 
 <file path=customXml/itemProps3.xml><?xml version="1.0" encoding="utf-8"?>
-<ds:datastoreItem xmlns:ds="http://schemas.openxmlformats.org/officeDocument/2006/customXml" ds:itemID="{47B07C09-FF92-4115-A3C4-DCD45D83FCB5}">
+<ds:datastoreItem xmlns:ds="http://schemas.openxmlformats.org/officeDocument/2006/customXml" ds:itemID="{60EBDBBA-925D-4342-9C69-C51A740C4A59}">
   <ds:schemaRefs>
-    <ds:schemaRef ds:uri="http://schemas.microsoft.com/sharepoint/v3/contenttype/forms"/>
+    <ds:schemaRef ds:uri="http://www.w3.org/XML/1998/namespace"/>
+    <ds:schemaRef ds:uri="http://schemas.microsoft.com/office/2006/documentManagement/types"/>
+    <ds:schemaRef ds:uri="http://purl.org/dc/elements/1.1/"/>
+    <ds:schemaRef ds:uri="http://purl.org/dc/terms/"/>
+    <ds:schemaRef ds:uri="http://schemas.microsoft.com/office/2006/metadata/properties"/>
+    <ds:schemaRef ds:uri="http://purl.org/dc/dcmitype/"/>
+    <ds:schemaRef ds:uri="http://schemas.microsoft.com/office/infopath/2007/PartnerControls"/>
+    <ds:schemaRef ds:uri="http://schemas.openxmlformats.org/package/2006/metadata/core-properties"/>
+    <ds:schemaRef ds:uri="79ddb764-415a-4c38-83b7-908be6382bea"/>
   </ds:schemaRefs>
 </ds:datastoreItem>
 </file>